--- a/Questions/LogisticRegression/LogisticRegression_Question.pptx
+++ b/Questions/LogisticRegression/LogisticRegression_Question.pptx
@@ -212,7 +212,7 @@
           <a:p>
             <a:fld id="{35AF1AB0-152F-4944-8B0B-D6AC80456478}" type="datetimeFigureOut">
               <a:rPr kumimoji="1" lang="ja-JP" altLang="en-US" smtClean="0"/>
-              <a:t>2019/1/12</a:t>
+              <a:t>2019/1/15</a:t>
             </a:fld>
             <a:endParaRPr kumimoji="1" lang="ja-JP" altLang="en-US"/>
           </a:p>
@@ -699,7 +699,7 @@
           <a:p>
             <a:fld id="{9162DFDF-7161-450E-AA25-87B734D9927A}" type="datetime1">
               <a:rPr kumimoji="1" lang="ja-JP" altLang="en-US" smtClean="0"/>
-              <a:t>2019/1/12</a:t>
+              <a:t>2019/1/15</a:t>
             </a:fld>
             <a:endParaRPr kumimoji="1" lang="ja-JP" altLang="en-US"/>
           </a:p>
@@ -931,7 +931,7 @@
           <a:p>
             <a:fld id="{05170B31-FCB0-4503-B8DD-4901361C2F6F}" type="datetime1">
               <a:rPr kumimoji="1" lang="ja-JP" altLang="en-US" smtClean="0"/>
-              <a:t>2019/1/12</a:t>
+              <a:t>2019/1/15</a:t>
             </a:fld>
             <a:endParaRPr kumimoji="1" lang="ja-JP" altLang="en-US"/>
           </a:p>
@@ -1138,7 +1138,7 @@
           <a:p>
             <a:fld id="{A285A42D-9368-4BB8-90BE-0F899494FD93}" type="datetime1">
               <a:rPr kumimoji="1" lang="ja-JP" altLang="en-US" smtClean="0"/>
-              <a:t>2019/1/12</a:t>
+              <a:t>2019/1/15</a:t>
             </a:fld>
             <a:endParaRPr kumimoji="1" lang="ja-JP" altLang="en-US"/>
           </a:p>
@@ -1335,7 +1335,7 @@
           <a:p>
             <a:fld id="{AC56DD09-0C5E-431E-AADA-074A2AD145DD}" type="datetime1">
               <a:rPr kumimoji="1" lang="ja-JP" altLang="en-US" smtClean="0"/>
-              <a:t>2019/1/12</a:t>
+              <a:t>2019/1/15</a:t>
             </a:fld>
             <a:endParaRPr kumimoji="1" lang="ja-JP" altLang="en-US"/>
           </a:p>
@@ -1583,7 +1583,7 @@
           <a:p>
             <a:fld id="{E3F455DD-B8CA-4C30-97FD-952368997C4F}" type="datetime1">
               <a:rPr kumimoji="1" lang="ja-JP" altLang="en-US" smtClean="0"/>
-              <a:t>2019/1/12</a:t>
+              <a:t>2019/1/15</a:t>
             </a:fld>
             <a:endParaRPr kumimoji="1" lang="ja-JP" altLang="en-US"/>
           </a:p>
@@ -1965,7 +1965,7 @@
           <a:p>
             <a:fld id="{6AD42BE7-B330-4BC3-BB4C-EE0029A16A41}" type="datetime1">
               <a:rPr kumimoji="1" lang="ja-JP" altLang="en-US" smtClean="0"/>
-              <a:t>2019/1/12</a:t>
+              <a:t>2019/1/15</a:t>
             </a:fld>
             <a:endParaRPr kumimoji="1" lang="ja-JP" altLang="en-US"/>
           </a:p>
@@ -2495,7 +2495,7 @@
           <a:p>
             <a:fld id="{68A324F7-1AF9-496C-9147-148D735ACB58}" type="datetime1">
               <a:rPr kumimoji="1" lang="ja-JP" altLang="en-US" smtClean="0"/>
-              <a:t>2019/1/12</a:t>
+              <a:t>2019/1/15</a:t>
             </a:fld>
             <a:endParaRPr kumimoji="1" lang="ja-JP" altLang="en-US"/>
           </a:p>
@@ -2643,7 +2643,7 @@
           <a:p>
             <a:fld id="{27AA0BA3-AB01-4609-88A0-55AAC0CC76BD}" type="datetime1">
               <a:rPr kumimoji="1" lang="ja-JP" altLang="en-US" smtClean="0"/>
-              <a:t>2019/1/12</a:t>
+              <a:t>2019/1/15</a:t>
             </a:fld>
             <a:endParaRPr kumimoji="1" lang="ja-JP" altLang="en-US"/>
           </a:p>
@@ -2733,7 +2733,7 @@
           <a:p>
             <a:fld id="{0CFBF5D4-B5CC-4467-B796-C67F515DE3C5}" type="datetime1">
               <a:rPr kumimoji="1" lang="ja-JP" altLang="en-US" smtClean="0"/>
-              <a:t>2019/1/12</a:t>
+              <a:t>2019/1/15</a:t>
             </a:fld>
             <a:endParaRPr kumimoji="1" lang="ja-JP" altLang="en-US"/>
           </a:p>
@@ -3039,7 +3039,7 @@
           <a:p>
             <a:fld id="{A0163980-AAA3-47F9-A262-0D3864F1B223}" type="datetime1">
               <a:rPr kumimoji="1" lang="ja-JP" altLang="en-US" smtClean="0"/>
-              <a:t>2019/1/12</a:t>
+              <a:t>2019/1/15</a:t>
             </a:fld>
             <a:endParaRPr kumimoji="1" lang="ja-JP" altLang="en-US"/>
           </a:p>
@@ -3344,7 +3344,7 @@
           <a:p>
             <a:fld id="{848859B9-DC56-434E-8346-7979ED5DF987}" type="datetime1">
               <a:rPr kumimoji="1" lang="ja-JP" altLang="en-US" smtClean="0"/>
-              <a:t>2019/1/12</a:t>
+              <a:t>2019/1/15</a:t>
             </a:fld>
             <a:endParaRPr kumimoji="1" lang="ja-JP" altLang="en-US"/>
           </a:p>
@@ -3674,7 +3674,7 @@
           <a:p>
             <a:fld id="{8A9F02A4-63CC-4654-A6E7-8D37C032D0CA}" type="datetime1">
               <a:rPr kumimoji="1" lang="ja-JP" altLang="en-US" smtClean="0"/>
-              <a:t>2019/1/12</a:t>
+              <a:t>2019/1/15</a:t>
             </a:fld>
             <a:endParaRPr kumimoji="1" lang="ja-JP" altLang="en-US"/>
           </a:p>
@@ -4923,7 +4923,7 @@
           <p:nvPr>
             <p:extLst>
               <p:ext uri="{D42A27DB-BD31-4B8C-83A1-F6EECF244321}">
-                <p14:modId xmlns:p14="http://schemas.microsoft.com/office/powerpoint/2010/main" val="2564770946"/>
+                <p14:modId xmlns:p14="http://schemas.microsoft.com/office/powerpoint/2010/main" val="122389705"/>
               </p:ext>
             </p:extLst>
           </p:nvPr>
@@ -5080,33 +5080,22 @@
                     <a:lstStyle/>
                     <a:p>
                       <a:r>
-                        <a:rPr kumimoji="1" lang="en-US" altLang="ja-JP" sz="1600" dirty="0"/>
-                        <a:t>1</a:t>
-                      </a:r>
-                      <a:r>
                         <a:rPr kumimoji="1" lang="ja-JP" altLang="en-US" sz="1600" dirty="0"/>
-                        <a:t>ファイルに纏められている。</a:t>
-                      </a:r>
-                      <a:r>
-                        <a:rPr kumimoji="1" lang="en-US" altLang="ja-JP" sz="1600" dirty="0" err="1"/>
-                        <a:t>Github</a:t>
-                      </a:r>
-                      <a:r>
-                        <a:rPr kumimoji="1" lang="ja-JP" altLang="en-US" sz="1600" dirty="0"/>
-                        <a:t>の</a:t>
+                        <a:t>入手先</a:t>
                       </a:r>
                       <a:r>
                         <a:rPr kumimoji="1" lang="en-US" altLang="ja-JP" sz="1600" dirty="0"/>
-                        <a:t>team\</a:t>
+                        <a:t>URL</a:t>
                       </a:r>
+                    </a:p>
+                    <a:p>
                       <a:r>
-                        <a:rPr kumimoji="1" lang="en-US" altLang="ja-JP" sz="1600" dirty="0" err="1"/>
-                        <a:t>PatternTemplate</a:t>
+                        <a:rPr kumimoji="1" lang="en-US" altLang="ja-JP" sz="1600" dirty="0">
+                          <a:hlinkClick r:id="rId2"/>
+                        </a:rPr>
+                        <a:t>https://archive.ics.uci.edu/ml/datasets/Wine+Quality</a:t>
                       </a:r>
-                      <a:r>
-                        <a:rPr kumimoji="1" lang="ja-JP" altLang="en-US" sz="1600" dirty="0"/>
-                        <a:t>に格納。</a:t>
-                      </a:r>
+                      <a:endParaRPr kumimoji="1" lang="ja-JP" altLang="en-US" sz="1600" dirty="0"/>
                     </a:p>
                   </a:txBody>
                   <a:tcPr/>
